--- a/HIDING IMAGE TO VIDEO USING STEGANOGRAPHYppt.pptx
+++ b/HIDING IMAGE TO VIDEO USING STEGANOGRAPHYppt.pptx
@@ -11,10 +11,14 @@
     <p:sldId id="260" r:id="rId6"/>
     <p:sldId id="265" r:id="rId7"/>
     <p:sldId id="266" r:id="rId8"/>
-    <p:sldId id="262" r:id="rId9"/>
-    <p:sldId id="267" r:id="rId10"/>
-    <p:sldId id="263" r:id="rId11"/>
-    <p:sldId id="264" r:id="rId12"/>
+    <p:sldId id="271" r:id="rId9"/>
+    <p:sldId id="272" r:id="rId10"/>
+    <p:sldId id="273" r:id="rId11"/>
+    <p:sldId id="274" r:id="rId12"/>
+    <p:sldId id="262" r:id="rId13"/>
+    <p:sldId id="267" r:id="rId14"/>
+    <p:sldId id="263" r:id="rId15"/>
+    <p:sldId id="264" r:id="rId16"/>
   </p:sldIdLst>
   <p:sldSz cx="12192000" cy="6858000"/>
   <p:notesSz cx="6858000" cy="9144000"/>
@@ -3829,6 +3833,296 @@
       <p:grpSpPr/>
       <p:sp>
         <p:nvSpPr>
+          <p:cNvPr id="2" name="Title 1"/>
+          <p:cNvSpPr>
+            <a:spLocks noGrp="1"/>
+          </p:cNvSpPr>
+          <p:nvPr>
+            <p:ph type="title"/>
+          </p:nvPr>
+        </p:nvSpPr>
+        <p:spPr/>
+        <p:txBody>
+          <a:bodyPr/>
+          <a:p>
+            <a:r>
+              <a:rPr lang="en-US"/>
+              <a:t>OUTPUT</a:t>
+            </a:r>
+            <a:endParaRPr lang="en-US"/>
+          </a:p>
+        </p:txBody>
+      </p:sp>
+      <p:pic>
+        <p:nvPicPr>
+          <p:cNvPr id="4" name="Content Placeholder 3" descr="ui4"/>
+          <p:cNvPicPr>
+            <a:picLocks noChangeAspect="1"/>
+          </p:cNvPicPr>
+          <p:nvPr>
+            <p:ph idx="1"/>
+          </p:nvPr>
+        </p:nvPicPr>
+        <p:blipFill>
+          <a:blip r:embed="rId1"/>
+          <a:stretch>
+            <a:fillRect/>
+          </a:stretch>
+        </p:blipFill>
+        <p:spPr>
+          <a:xfrm>
+            <a:off x="1674495" y="1600200"/>
+            <a:ext cx="9120505" cy="4803775"/>
+          </a:xfrm>
+          <a:prstGeom prst="rect">
+            <a:avLst/>
+          </a:prstGeom>
+        </p:spPr>
+      </p:pic>
+    </p:spTree>
+  </p:cSld>
+  <p:clrMapOvr>
+    <a:masterClrMapping/>
+  </p:clrMapOvr>
+</p:sld>
+</file>
+
+<file path=ppt/slides/slide11.xml><?xml version="1.0" encoding="utf-8"?>
+<p:sld xmlns:a="http://schemas.openxmlformats.org/drawingml/2006/main" xmlns:r="http://schemas.openxmlformats.org/officeDocument/2006/relationships" xmlns:p="http://schemas.openxmlformats.org/presentationml/2006/main">
+  <p:cSld>
+    <p:spTree>
+      <p:nvGrpSpPr>
+        <p:cNvPr id="1" name=""/>
+        <p:cNvGrpSpPr/>
+        <p:nvPr/>
+      </p:nvGrpSpPr>
+      <p:grpSpPr/>
+      <p:sp>
+        <p:nvSpPr>
+          <p:cNvPr id="2" name="Title 1"/>
+          <p:cNvSpPr>
+            <a:spLocks noGrp="1"/>
+          </p:cNvSpPr>
+          <p:nvPr>
+            <p:ph type="title"/>
+          </p:nvPr>
+        </p:nvSpPr>
+        <p:spPr/>
+        <p:txBody>
+          <a:bodyPr/>
+          <a:p>
+            <a:r>
+              <a:rPr lang="en-US" sz="2800" b="1" u="sng"/>
+              <a:t>FUTURE WORK</a:t>
+            </a:r>
+            <a:endParaRPr lang="en-US" sz="2800" b="1" u="sng"/>
+          </a:p>
+        </p:txBody>
+      </p:sp>
+      <p:sp>
+        <p:nvSpPr>
+          <p:cNvPr id="3" name="Content Placeholder 2"/>
+          <p:cNvSpPr>
+            <a:spLocks noGrp="1"/>
+          </p:cNvSpPr>
+          <p:nvPr>
+            <p:ph idx="1"/>
+          </p:nvPr>
+        </p:nvSpPr>
+        <p:spPr/>
+        <p:txBody>
+          <a:bodyPr>
+            <a:normAutofit/>
+          </a:bodyPr>
+          <a:p>
+            <a:pPr marL="0" indent="0" algn="just">
+              <a:buNone/>
+            </a:pPr>
+            <a:r>
+              <a:rPr lang="en-US" sz="2400"/>
+              <a:t>I have developed a system to hide image in a video stream. The developed system worked excellently and it is very useful in sending sensitive information securely. Industry demands high level research work in steganograpgy , More quick algorithms may be developed and  some heuristic approaches may be developed for this purpose. </a:t>
+            </a:r>
+            <a:endParaRPr lang="en-US" sz="2400"/>
+          </a:p>
+        </p:txBody>
+      </p:sp>
+    </p:spTree>
+  </p:cSld>
+  <p:clrMapOvr>
+    <a:masterClrMapping/>
+  </p:clrMapOvr>
+</p:sld>
+</file>
+
+<file path=ppt/slides/slide12.xml><?xml version="1.0" encoding="utf-8"?>
+<p:sld xmlns:a="http://schemas.openxmlformats.org/drawingml/2006/main" xmlns:r="http://schemas.openxmlformats.org/officeDocument/2006/relationships" xmlns:p="http://schemas.openxmlformats.org/presentationml/2006/main">
+  <p:cSld>
+    <p:spTree>
+      <p:nvGrpSpPr>
+        <p:cNvPr id="1" name=""/>
+        <p:cNvGrpSpPr/>
+        <p:nvPr/>
+      </p:nvGrpSpPr>
+      <p:grpSpPr/>
+      <p:sp>
+        <p:nvSpPr>
+          <p:cNvPr id="2" name="Title 1"/>
+          <p:cNvSpPr>
+            <a:spLocks noGrp="1"/>
+          </p:cNvSpPr>
+          <p:nvPr>
+            <p:ph type="title"/>
+          </p:nvPr>
+        </p:nvSpPr>
+        <p:spPr/>
+        <p:txBody>
+          <a:bodyPr/>
+          <a:p>
+            <a:r>
+              <a:rPr lang="en-US"/>
+              <a:t>CONCLUSION</a:t>
+            </a:r>
+            <a:endParaRPr lang="en-US"/>
+          </a:p>
+        </p:txBody>
+      </p:sp>
+      <p:sp>
+        <p:nvSpPr>
+          <p:cNvPr id="3" name="Content Placeholder 2"/>
+          <p:cNvSpPr>
+            <a:spLocks noGrp="1"/>
+          </p:cNvSpPr>
+          <p:nvPr>
+            <p:ph idx="1"/>
+          </p:nvPr>
+        </p:nvSpPr>
+        <p:spPr/>
+        <p:txBody>
+          <a:bodyPr/>
+          <a:p>
+            <a:pPr marL="0" indent="0">
+              <a:buNone/>
+            </a:pPr>
+            <a:r>
+              <a:rPr lang="en-US" sz="2800"/>
+              <a:t>In this work, a video steganography method has been designed based on AES algorithm, and the main goal  is  to  achieve  improvement  in  some  stego aspects,  including  capacity,  visibility,  and  higher resistance  to  cryptanalysis  attack.  From  results  it can point the following:</a:t>
+            </a:r>
+            <a:endParaRPr lang="en-US" sz="2800"/>
+          </a:p>
+          <a:p>
+            <a:r>
+              <a:rPr lang="en-US" sz="2800"/>
+              <a:t> As  the  model  involves  two  inputs  and outputs, thus, a custom generator had being used to feed  the system with input images (from video file) and cover image from the cover image directory.</a:t>
+            </a:r>
+            <a:endParaRPr lang="en-US" sz="2800"/>
+          </a:p>
+        </p:txBody>
+      </p:sp>
+    </p:spTree>
+  </p:cSld>
+  <p:clrMapOvr>
+    <a:masterClrMapping/>
+  </p:clrMapOvr>
+</p:sld>
+</file>
+
+<file path=ppt/slides/slide13.xml><?xml version="1.0" encoding="utf-8"?>
+<p:sld xmlns:a="http://schemas.openxmlformats.org/drawingml/2006/main" xmlns:r="http://schemas.openxmlformats.org/officeDocument/2006/relationships" xmlns:p="http://schemas.openxmlformats.org/presentationml/2006/main">
+  <p:cSld>
+    <p:spTree>
+      <p:nvGrpSpPr>
+        <p:cNvPr id="1" name=""/>
+        <p:cNvGrpSpPr/>
+        <p:nvPr/>
+      </p:nvGrpSpPr>
+      <p:grpSpPr/>
+      <p:sp>
+        <p:nvSpPr>
+          <p:cNvPr id="2" name="Title 1"/>
+          <p:cNvSpPr>
+            <a:spLocks noGrp="1"/>
+          </p:cNvSpPr>
+          <p:nvPr>
+            <p:ph type="title"/>
+          </p:nvPr>
+        </p:nvSpPr>
+        <p:spPr/>
+        <p:txBody>
+          <a:bodyPr/>
+          <a:p>
+            <a:r>
+              <a:rPr lang="en-US" sz="3600" b="1" u="sng"/>
+              <a:t>REFERENCES</a:t>
+            </a:r>
+            <a:endParaRPr lang="en-US" sz="3600" b="1" u="sng"/>
+          </a:p>
+        </p:txBody>
+      </p:sp>
+      <p:sp>
+        <p:nvSpPr>
+          <p:cNvPr id="3" name="Content Placeholder 2"/>
+          <p:cNvSpPr>
+            <a:spLocks noGrp="1"/>
+          </p:cNvSpPr>
+          <p:nvPr>
+            <p:ph idx="1"/>
+          </p:nvPr>
+        </p:nvSpPr>
+        <p:spPr/>
+        <p:txBody>
+          <a:bodyPr/>
+          <a:p>
+            <a:pPr marL="0" indent="0">
+              <a:buNone/>
+            </a:pPr>
+            <a:r>
+              <a:rPr lang="en-US" sz="2400"/>
+              <a:t>1.  F 5 algorithm implementation: 2009, Fridrich, J.R.Du, M. Long: Steganalysis In Color Images, Binghamton, 2007. </a:t>
+            </a:r>
+            <a:endParaRPr lang="en-US" sz="2400"/>
+          </a:p>
+          <a:p>
+            <a:pPr marL="0" indent="0">
+              <a:buNone/>
+            </a:pPr>
+            <a:r>
+              <a:rPr lang="en-US" sz="2400"/>
+              <a:t>2.  Soumyendu Das, Subhendu Das, Bijoy Bandyopadhyay, Sugata Sanyal, Steganography and Steganalysis: Different Approaches,  </a:t>
+            </a:r>
+            <a:endParaRPr lang="en-US" sz="2400"/>
+          </a:p>
+          <a:p>
+            <a:pPr marL="0" indent="0">
+              <a:buNone/>
+            </a:pPr>
+            <a:r>
+              <a:rPr lang="en-US" sz="2400"/>
+              <a:t> 3.  Steganography Primer - Ruid, Computer Academic underground,2004</a:t>
+            </a:r>
+            <a:endParaRPr lang="en-US" sz="2400"/>
+          </a:p>
+        </p:txBody>
+      </p:sp>
+    </p:spTree>
+  </p:cSld>
+  <p:clrMapOvr>
+    <a:masterClrMapping/>
+  </p:clrMapOvr>
+</p:sld>
+</file>
+
+<file path=ppt/slides/slide14.xml><?xml version="1.0" encoding="utf-8"?>
+<p:sld xmlns:a="http://schemas.openxmlformats.org/drawingml/2006/main" xmlns:r="http://schemas.openxmlformats.org/officeDocument/2006/relationships" xmlns:p="http://schemas.openxmlformats.org/presentationml/2006/main">
+  <p:cSld>
+    <p:spTree>
+      <p:nvGrpSpPr>
+        <p:cNvPr id="1" name=""/>
+        <p:cNvGrpSpPr/>
+        <p:nvPr/>
+      </p:nvGrpSpPr>
+      <p:grpSpPr/>
+      <p:sp>
+        <p:nvSpPr>
           <p:cNvPr id="5" name="Title 4"/>
           <p:cNvSpPr>
             <a:spLocks noGrp="1"/>
@@ -3925,7 +4219,7 @@
             </a:pPr>
             <a:r>
               <a:rPr lang="en-US" sz="2400"/>
-              <a:t>Steganography has become great area of interest for researchers as need for secure transaction of information is increasing day by day. Information may be text, image, audio or video. Steganography is a technique in which required information is hided in any other information such that the second information does not change significantly and it appears the same as original. This paper presents a novel approach of hiding image in a video. The proposed algorithm is AES(ADVANCED ENCRYPTIN STANDARD). It becomes very difficult for intruder to guess that an image is hidden in the video as individual frames are very difficult to analyze in a video running at 30 frames per second. The process of analysis has been made more difficult by hiding each row of image pixels in multiple frames of the video, so intruder cannot even try to unhide image until he get full video.</a:t>
+              <a:t>Steganography has become great area of interest for researchers as need for secure transaction of information is increasing day by day. Information may be text, image, audio or video. Steganography is a technique in which required information is hided in any other information such that the second information does not change significantly and it appears the same as original. This paper presents a novel approach of hiding image in a video. The proposed algorithm is AES(ADVANCED ENCRYPTIN STANDARD). It becomes very difficult for intruder to guess that an image is hidden in the video as individual frames are very difficult to analyze in a video running at 30 frames per second. </a:t>
             </a:r>
             <a:endParaRPr lang="en-US" sz="2400"/>
           </a:p>
@@ -4278,45 +4572,49 @@
             <p:ph type="title"/>
           </p:nvPr>
         </p:nvSpPr>
-        <p:spPr/>
-        <p:txBody>
-          <a:bodyPr/>
-          <a:p>
-            <a:r>
-              <a:rPr lang="en-US" sz="2800" b="1" u="sng"/>
-              <a:t>FUTURE WORK</a:t>
-            </a:r>
-            <a:endParaRPr lang="en-US" sz="2800" b="1" u="sng"/>
-          </a:p>
-        </p:txBody>
-      </p:sp>
-      <p:sp>
-        <p:nvSpPr>
-          <p:cNvPr id="3" name="Content Placeholder 2"/>
-          <p:cNvSpPr>
-            <a:spLocks noGrp="1"/>
-          </p:cNvSpPr>
+        <p:spPr>
+          <a:xfrm>
+            <a:off x="-2867025" y="150813"/>
+            <a:ext cx="10972800" cy="1143000"/>
+          </a:xfrm>
+        </p:spPr>
+        <p:txBody>
+          <a:bodyPr/>
+          <a:p>
+            <a:r>
+              <a:rPr lang="en-US"/>
+              <a:t>REGISTER PAGE</a:t>
+            </a:r>
+            <a:endParaRPr lang="en-US"/>
+          </a:p>
+        </p:txBody>
+      </p:sp>
+      <p:pic>
+        <p:nvPicPr>
+          <p:cNvPr id="4" name="Content Placeholder 3" descr="ui 1"/>
+          <p:cNvPicPr>
+            <a:picLocks noChangeAspect="1"/>
+          </p:cNvPicPr>
           <p:nvPr>
             <p:ph idx="1"/>
           </p:nvPr>
-        </p:nvSpPr>
-        <p:spPr/>
-        <p:txBody>
-          <a:bodyPr>
-            <a:normAutofit/>
-          </a:bodyPr>
-          <a:p>
-            <a:pPr marL="0" indent="0" algn="just">
-              <a:buNone/>
-            </a:pPr>
-            <a:r>
-              <a:rPr lang="en-US" sz="2400"/>
-              <a:t>I have developed a system to hide image in a video stream. The developed system worked excellently and it is very useful in sending sensitive information securely. Industry demands high level research work in steganograpgy , More quick algorithms may be developed and  some heuristic approaches may be developed for this purpose. </a:t>
-            </a:r>
-            <a:endParaRPr lang="en-US" sz="2400"/>
-          </a:p>
-        </p:txBody>
-      </p:sp>
+        </p:nvPicPr>
+        <p:blipFill>
+          <a:blip r:embed="rId1"/>
+          <a:stretch>
+            <a:fillRect/>
+          </a:stretch>
+        </p:blipFill>
+        <p:spPr>
+          <a:xfrm>
+            <a:off x="2752725" y="1600200"/>
+            <a:ext cx="5866765" cy="5260975"/>
+          </a:xfrm>
+          <a:prstGeom prst="rect">
+            <a:avLst/>
+          </a:prstGeom>
+        </p:spPr>
+      </p:pic>
     </p:spTree>
   </p:cSld>
   <p:clrMapOvr>
@@ -4351,44 +4649,38 @@
           <a:p>
             <a:r>
               <a:rPr lang="en-US"/>
-              <a:t>CONCLUSION</a:t>
-            </a:r>
-            <a:endParaRPr lang="en-US"/>
-          </a:p>
-        </p:txBody>
-      </p:sp>
-      <p:sp>
-        <p:nvSpPr>
-          <p:cNvPr id="3" name="Content Placeholder 2"/>
-          <p:cNvSpPr>
-            <a:spLocks noGrp="1"/>
-          </p:cNvSpPr>
+              <a:t>LOGIN PAGE</a:t>
+            </a:r>
+            <a:endParaRPr lang="en-US"/>
+          </a:p>
+        </p:txBody>
+      </p:sp>
+      <p:pic>
+        <p:nvPicPr>
+          <p:cNvPr id="4" name="Content Placeholder 3" descr="ui 2"/>
+          <p:cNvPicPr>
+            <a:picLocks noChangeAspect="1"/>
+          </p:cNvPicPr>
           <p:nvPr>
             <p:ph idx="1"/>
           </p:nvPr>
-        </p:nvSpPr>
-        <p:spPr/>
-        <p:txBody>
-          <a:bodyPr/>
-          <a:p>
-            <a:pPr marL="0" indent="0">
-              <a:buNone/>
-            </a:pPr>
-            <a:r>
-              <a:rPr lang="en-US" sz="2800"/>
-              <a:t>In this work, a video steganography method has been designed based on AES algorithm, and the main goal  is  to  achieve  improvement  in  some  stego aspects,  including  capacity,  visibility,  and  higher resistance  to  cryptanalysis  attack.  From  results  it can point the following:</a:t>
-            </a:r>
-            <a:endParaRPr lang="en-US" sz="2800"/>
-          </a:p>
-          <a:p>
-            <a:r>
-              <a:rPr lang="en-US" sz="2800"/>
-              <a:t> As  the  model  involves  two  inputs  and outputs, thus, a custom generator had being used to feed  the system with input images (from video file) and cover image from the cover image directory.</a:t>
-            </a:r>
-            <a:endParaRPr lang="en-US" sz="2800"/>
-          </a:p>
-        </p:txBody>
-      </p:sp>
+        </p:nvPicPr>
+        <p:blipFill>
+          <a:blip r:embed="rId1"/>
+          <a:stretch>
+            <a:fillRect/>
+          </a:stretch>
+        </p:blipFill>
+        <p:spPr>
+          <a:xfrm>
+            <a:off x="2428240" y="1667510"/>
+            <a:ext cx="7597140" cy="4391025"/>
+          </a:xfrm>
+          <a:prstGeom prst="rect">
+            <a:avLst/>
+          </a:prstGeom>
+        </p:spPr>
+      </p:pic>
     </p:spTree>
   </p:cSld>
   <p:clrMapOvr>
@@ -4417,63 +4709,45 @@
             <p:ph type="title"/>
           </p:nvPr>
         </p:nvSpPr>
-        <p:spPr/>
-        <p:txBody>
-          <a:bodyPr/>
-          <a:p>
-            <a:r>
-              <a:rPr lang="en-US" sz="3600" b="1" u="sng"/>
-              <a:t>REFERENCES</a:t>
-            </a:r>
-            <a:endParaRPr lang="en-US" sz="3600" b="1" u="sng"/>
-          </a:p>
-        </p:txBody>
-      </p:sp>
-      <p:sp>
-        <p:nvSpPr>
-          <p:cNvPr id="3" name="Content Placeholder 2"/>
-          <p:cNvSpPr>
-            <a:spLocks noGrp="1"/>
-          </p:cNvSpPr>
+        <p:spPr>
+          <a:xfrm>
+            <a:off x="609600" y="274955"/>
+            <a:ext cx="10972800" cy="803275"/>
+          </a:xfrm>
+        </p:spPr>
+        <p:txBody>
+          <a:bodyPr/>
+          <a:p>
+            <a:endParaRPr lang="en-US"/>
+          </a:p>
+        </p:txBody>
+      </p:sp>
+      <p:pic>
+        <p:nvPicPr>
+          <p:cNvPr id="4" name="Content Placeholder 3" descr="ui3"/>
+          <p:cNvPicPr>
+            <a:picLocks noChangeAspect="1"/>
+          </p:cNvPicPr>
           <p:nvPr>
             <p:ph idx="1"/>
           </p:nvPr>
-        </p:nvSpPr>
-        <p:spPr/>
-        <p:txBody>
-          <a:bodyPr/>
-          <a:p>
-            <a:pPr marL="0" indent="0">
-              <a:buNone/>
-            </a:pPr>
-            <a:r>
-              <a:rPr lang="en-US" sz="2400"/>
-              <a:t>1.  F 5 algorithm implementation: 2009, Fridrich, J.R.Du, M. Long: Steganalysis In Color Images, Binghamton, 2007. </a:t>
-            </a:r>
-            <a:endParaRPr lang="en-US" sz="2400"/>
-          </a:p>
-          <a:p>
-            <a:pPr marL="0" indent="0">
-              <a:buNone/>
-            </a:pPr>
-            <a:r>
-              <a:rPr lang="en-US" sz="2400"/>
-              <a:t>2.  Soumyendu Das, Subhendu Das, Bijoy Bandyopadhyay, Sugata Sanyal, Steganography and Steganalysis: Different Approaches,  </a:t>
-            </a:r>
-            <a:endParaRPr lang="en-US" sz="2400"/>
-          </a:p>
-          <a:p>
-            <a:pPr marL="0" indent="0">
-              <a:buNone/>
-            </a:pPr>
-            <a:r>
-              <a:rPr lang="en-US" sz="2400"/>
-              <a:t> 3.  Steganography Primer - Ruid, Computer Academic underground,2004</a:t>
-            </a:r>
-            <a:endParaRPr lang="en-US" sz="2400"/>
-          </a:p>
-        </p:txBody>
-      </p:sp>
+        </p:nvPicPr>
+        <p:blipFill>
+          <a:blip r:embed="rId1"/>
+          <a:stretch>
+            <a:fillRect/>
+          </a:stretch>
+        </p:blipFill>
+        <p:spPr>
+          <a:xfrm>
+            <a:off x="2589530" y="966470"/>
+            <a:ext cx="7273925" cy="5891530"/>
+          </a:xfrm>
+          <a:prstGeom prst="rect">
+            <a:avLst/>
+          </a:prstGeom>
+        </p:spPr>
+      </p:pic>
     </p:spTree>
   </p:cSld>
   <p:clrMapOvr>
